--- a/spring13/slides13/microquiz14m.pptx
+++ b/spring13/slides13/microquiz14m.pptx
@@ -1168,7 +1168,7 @@
         </p:nvSpPr>
         <p:spPr>
           <a:xfrm>
-            <a:off x="415629" y="820890"/>
+            <a:off x="415629" y="728530"/>
             <a:ext cx="8301182" cy="5575292"/>
           </a:xfrm>
         </p:spPr>
@@ -1242,7 +1242,11 @@
             </a:r>
             <a:r>
               <a:rPr lang="en-US" sz="4400" dirty="0" smtClean="0"/>
-              <a:t>a fair die.</a:t>
+              <a:t>a fair </a:t>
+            </a:r>
+            <a:r>
+              <a:rPr lang="en-US" sz="4400" dirty="0" smtClean="0"/>
+              <a:t>die</a:t>
             </a:r>
             <a:endParaRPr lang="en-US" sz="4400" dirty="0"/>
           </a:p>
@@ -1258,16 +1262,21 @@
             </a:pPr>
             <a:r>
               <a:rPr lang="en-US" sz="4400" dirty="0" smtClean="0"/>
-              <a:t>Say you roll </a:t>
+              <a:t>Say you </a:t>
+            </a:r>
+            <a:r>
+              <a:rPr lang="en-US" sz="4400" dirty="0" smtClean="0"/>
+              <a:t>actually roll </a:t>
             </a:r>
             <a:r>
               <a:rPr lang="en-US" sz="4400" dirty="0"/>
-              <a:t>626 </a:t>
+              <a:t>5</a:t>
             </a:r>
             <a:r>
               <a:rPr lang="en-US" sz="4400" dirty="0" smtClean="0"/>
-              <a:t>sixes.</a:t>
-            </a:r>
+              <a:t>26 sixes</a:t>
+            </a:r>
+            <a:endParaRPr lang="en-US" sz="4400" dirty="0" smtClean="0"/>
           </a:p>
           <a:p>
             <a:pPr marL="0" indent="0">
@@ -1350,7 +1359,11 @@
               <a:t>Explain why </a:t>
             </a:r>
             <a:r>
-              <a:rPr lang="en-US" sz="4400" dirty="0">
+              <a:rPr lang="en-US" sz="4400" dirty="0" smtClean="0"/>
+              <a:t>this is </a:t>
+            </a:r>
+            <a:r>
+              <a:rPr lang="en-US" sz="4400" dirty="0" smtClean="0">
                 <a:solidFill>
                   <a:srgbClr val="FF0000"/>
                 </a:solidFill>
@@ -1359,8 +1372,13 @@
             </a:r>
             <a:r>
               <a:rPr lang="en-US" sz="4400" dirty="0"/>
-              <a:t>.</a:t>
-            </a:r>
+              <a:t> </a:t>
+            </a:r>
+            <a:r>
+              <a:rPr lang="en-US" sz="4400" dirty="0" smtClean="0"/>
+              <a:t>correct.</a:t>
+            </a:r>
+            <a:endParaRPr lang="en-US" sz="4400" dirty="0"/>
           </a:p>
         </p:txBody>
       </p:sp>
@@ -1373,20 +1391,20 @@
           <p:nvPr>
             <p:extLst>
               <p:ext uri="{D42A27DB-BD31-4B8C-83A1-F6EECF244321}">
-                <p14:modId xmlns:p14="http://schemas.microsoft.com/office/powerpoint/2010/main" val="3694062284"/>
+                <p14:modId xmlns:p14="http://schemas.microsoft.com/office/powerpoint/2010/main" val="2444942456"/>
               </p:ext>
             </p:extLst>
           </p:nvPr>
         </p:nvGraphicFramePr>
         <p:xfrm>
-          <a:off x="1135483" y="2405516"/>
+          <a:off x="1135483" y="2313156"/>
           <a:ext cx="7024758" cy="838777"/>
         </p:xfrm>
         <a:graphic>
           <a:graphicData uri="http://schemas.openxmlformats.org/presentationml/2006/ole">
             <mc:AlternateContent xmlns:mc="http://schemas.openxmlformats.org/markup-compatibility/2006">
               <mc:Choice xmlns:v="urn:schemas-microsoft-com:vml" Requires="v">
-                <p:oleObj spid="_x0000_s2052" name="Equation" r:id="rId3" imgW="1701800" imgH="203200" progId="Equation.DSMT4">
+                <p:oleObj spid="_x0000_s2055" name="Equation" r:id="rId3" imgW="1701800" imgH="203200" progId="Equation.DSMT4">
                   <p:embed/>
                 </p:oleObj>
               </mc:Choice>
@@ -1407,7 +1425,7 @@
                     </p:blipFill>
                     <p:spPr>
                       <a:xfrm>
-                        <a:off x="1135483" y="2405516"/>
+                        <a:off x="1135483" y="2313156"/>
                         <a:ext cx="7024758" cy="838777"/>
                       </a:xfrm>
                       <a:prstGeom prst="rect">
@@ -1474,6 +1492,13 @@
     <a:masterClrMapping/>
   </p:clrMapOvr>
   <p:transition xmlns:p14="http://schemas.microsoft.com/office/powerpoint/2010/main"/>
+  <p:timing>
+    <p:tnLst>
+      <p:par>
+        <p:cTn xmlns:p14="http://schemas.microsoft.com/office/powerpoint/2010/main" id="1" dur="indefinite" restart="never" nodeType="tmRoot"/>
+      </p:par>
+    </p:tnLst>
+  </p:timing>
 </p:sld>
 </file>
 
@@ -1552,7 +1577,7 @@
           <a:graphicData uri="http://schemas.openxmlformats.org/presentationml/2006/ole">
             <mc:AlternateContent xmlns:mc="http://schemas.openxmlformats.org/markup-compatibility/2006">
               <mc:Choice xmlns:v="urn:schemas-microsoft-com:vml" Requires="v">
-                <p:oleObj spid="_x0000_s1148" name="Equation" r:id="rId3" imgW="114300" imgH="165100" progId="Equation.3">
+                <p:oleObj spid="_x0000_s1151" name="Equation" r:id="rId3" imgW="114300" imgH="165100" progId="Equation.3">
                   <p:embed/>
                 </p:oleObj>
               </mc:Choice>
@@ -1641,13 +1666,7 @@
               <a:rPr lang="en-US" sz="4800" dirty="0" smtClean="0">
                 <a:latin typeface="Comic Sans MS" pitchFamily="66" charset="0"/>
               </a:rPr>
-              <a:t>State </a:t>
-            </a:r>
-            <a:r>
-              <a:rPr lang="en-US" sz="4800" dirty="0" smtClean="0">
-                <a:latin typeface="Comic Sans MS" pitchFamily="66" charset="0"/>
-              </a:rPr>
-              <a:t>the </a:t>
+              <a:t>State the </a:t>
             </a:r>
             <a:r>
               <a:rPr lang="en-US" sz="4800" dirty="0" smtClean="0">
@@ -1681,17 +1700,8 @@
               <a:rPr lang="en-US" sz="4800" dirty="0" smtClean="0">
                 <a:latin typeface="Comic Sans MS" pitchFamily="66" charset="0"/>
               </a:rPr>
-              <a:t>language without </a:t>
-            </a:r>
-            <a:r>
-              <a:rPr lang="en-US" sz="4800" dirty="0" smtClean="0">
-                <a:latin typeface="Comic Sans MS" pitchFamily="66" charset="0"/>
-              </a:rPr>
-              <a:t>formulas.</a:t>
-            </a:r>
-            <a:endParaRPr lang="en-US" sz="4800" dirty="0" smtClean="0">
-              <a:latin typeface="Comic Sans MS" pitchFamily="66" charset="0"/>
-            </a:endParaRPr>
+              <a:t>language without formulas.</a:t>
+            </a:r>
           </a:p>
         </p:txBody>
       </p:sp>
